--- a/Area_de_Proceso-_REQM/PGREQM/PGREQM_V1.1_2015.pptx
+++ b/Area_de_Proceso-_REQM/PGREQM/PGREQM_V1.1_2015.pptx
@@ -4326,7 +4326,7 @@
             </a:lvl1pPr>
           </a:lstStyle>
           <a:p>
-            <a:endParaRPr lang="es-PE"/>
+            <a:endParaRPr lang="es-PE" dirty="0"/>
           </a:p>
         </p:txBody>
       </p:sp>
@@ -4359,9 +4359,9 @@
           <a:p>
             <a:fld id="{56F99C03-A70A-4B29-84B2-81DDC41A991A}" type="datetimeFigureOut">
               <a:rPr lang="es-PE" smtClean="0"/>
-              <a:t>5/11/2015</a:t>
+              <a:t>15/11/2015</a:t>
             </a:fld>
-            <a:endParaRPr lang="es-PE"/>
+            <a:endParaRPr lang="es-PE" dirty="0"/>
           </a:p>
         </p:txBody>
       </p:sp>
@@ -4394,7 +4394,7 @@
           <a:bodyPr vert="horz" lIns="91440" tIns="45720" rIns="91440" bIns="45720" rtlCol="0" anchor="ctr"/>
           <a:lstStyle/>
           <a:p>
-            <a:endParaRPr lang="es-PE"/>
+            <a:endParaRPr lang="es-PE" dirty="0"/>
           </a:p>
         </p:txBody>
       </p:sp>
@@ -4485,7 +4485,7 @@
             </a:lvl1pPr>
           </a:lstStyle>
           <a:p>
-            <a:endParaRPr lang="es-PE"/>
+            <a:endParaRPr lang="es-PE" dirty="0"/>
           </a:p>
         </p:txBody>
       </p:sp>
@@ -4520,7 +4520,7 @@
               <a:rPr lang="es-PE" smtClean="0"/>
               <a:t>‹Nº›</a:t>
             </a:fld>
-            <a:endParaRPr lang="es-PE"/>
+            <a:endParaRPr lang="es-PE" dirty="0"/>
           </a:p>
         </p:txBody>
       </p:sp>
@@ -4694,7 +4694,7 @@
               <a:rPr lang="es-PE" smtClean="0"/>
               <a:t>7</a:t>
             </a:fld>
-            <a:endParaRPr lang="es-PE"/>
+            <a:endParaRPr lang="es-PE" dirty="0"/>
           </a:p>
         </p:txBody>
       </p:sp>
@@ -4778,7 +4778,7 @@
               <a:rPr lang="es-PE" smtClean="0"/>
               <a:t>9</a:t>
             </a:fld>
-            <a:endParaRPr lang="es-PE"/>
+            <a:endParaRPr lang="es-PE" dirty="0"/>
           </a:p>
         </p:txBody>
       </p:sp>
@@ -4862,7 +4862,7 @@
               <a:rPr lang="es-PE" smtClean="0"/>
               <a:t>11</a:t>
             </a:fld>
-            <a:endParaRPr lang="es-PE"/>
+            <a:endParaRPr lang="es-PE" dirty="0"/>
           </a:p>
         </p:txBody>
       </p:sp>
@@ -4946,7 +4946,7 @@
               <a:rPr lang="es-PE" smtClean="0"/>
               <a:t>14</a:t>
             </a:fld>
-            <a:endParaRPr lang="es-PE"/>
+            <a:endParaRPr lang="es-PE" dirty="0"/>
           </a:p>
         </p:txBody>
       </p:sp>
@@ -5030,7 +5030,7 @@
               <a:rPr lang="es-PE" smtClean="0"/>
               <a:t>15</a:t>
             </a:fld>
-            <a:endParaRPr lang="es-PE"/>
+            <a:endParaRPr lang="es-PE" dirty="0"/>
           </a:p>
         </p:txBody>
       </p:sp>
@@ -5114,7 +5114,7 @@
               <a:rPr lang="es-PE" smtClean="0"/>
               <a:t>16</a:t>
             </a:fld>
-            <a:endParaRPr lang="es-PE"/>
+            <a:endParaRPr lang="es-PE" dirty="0"/>
           </a:p>
         </p:txBody>
       </p:sp>
@@ -5198,7 +5198,7 @@
               <a:rPr lang="es-PE" smtClean="0"/>
               <a:t>18</a:t>
             </a:fld>
-            <a:endParaRPr lang="es-PE"/>
+            <a:endParaRPr lang="es-PE" dirty="0"/>
           </a:p>
         </p:txBody>
       </p:sp>
@@ -5282,7 +5282,7 @@
               <a:rPr lang="es-PE" smtClean="0"/>
               <a:t>20</a:t>
             </a:fld>
-            <a:endParaRPr lang="es-PE"/>
+            <a:endParaRPr lang="es-PE" dirty="0"/>
           </a:p>
         </p:txBody>
       </p:sp>
@@ -5366,7 +5366,7 @@
               <a:rPr lang="es-PE" smtClean="0"/>
               <a:t>22</a:t>
             </a:fld>
-            <a:endParaRPr lang="es-PE"/>
+            <a:endParaRPr lang="es-PE" dirty="0"/>
           </a:p>
         </p:txBody>
       </p:sp>
@@ -5575,7 +5575,7 @@
           <a:p>
             <a:fld id="{216C5678-EE20-4FA5-88E2-6E0BD67A2E26}" type="datetime1">
               <a:rPr lang="en-US" smtClean="0"/>
-              <a:t>11/5/2015</a:t>
+              <a:t>11/15/2015</a:t>
             </a:fld>
             <a:endParaRPr lang="en-US" dirty="0"/>
           </a:p>
@@ -5621,7 +5621,7 @@
           <a:lstStyle/>
           <a:p>
             <a:r>
-              <a:rPr lang="en-US" smtClean="0"/>
+              <a:rPr lang="en-US" dirty="0" smtClean="0"/>
               <a:t>Footer Text</a:t>
             </a:r>
             <a:endParaRPr lang="en-US" dirty="0"/>
@@ -5745,9 +5745,9 @@
           <a:p>
             <a:fld id="{EA051B39-B140-43FE-96DB-472A2B59CE7C}" type="datetime1">
               <a:rPr lang="en-US" smtClean="0"/>
-              <a:t>11/5/2015</a:t>
+              <a:t>11/15/2015</a:t>
             </a:fld>
-            <a:endParaRPr lang="en-US"/>
+            <a:endParaRPr lang="en-US" dirty="0"/>
           </a:p>
         </p:txBody>
       </p:sp>
@@ -5767,10 +5767,10 @@
           <a:lstStyle/>
           <a:p>
             <a:r>
-              <a:rPr lang="en-US" smtClean="0"/>
+              <a:rPr lang="en-US" dirty="0" smtClean="0"/>
               <a:t>Footer Text</a:t>
             </a:r>
-            <a:endParaRPr lang="en-US"/>
+            <a:endParaRPr lang="en-US" dirty="0"/>
           </a:p>
         </p:txBody>
       </p:sp>
@@ -5794,7 +5794,7 @@
               <a:pPr/>
               <a:t>‹Nº›</a:t>
             </a:fld>
-            <a:endParaRPr lang="en-US"/>
+            <a:endParaRPr lang="en-US" dirty="0"/>
           </a:p>
         </p:txBody>
       </p:sp>
@@ -5925,9 +5925,9 @@
           <a:p>
             <a:fld id="{DA600BB2-27C5-458B-ABCE-839C88CF47CE}" type="datetime1">
               <a:rPr lang="en-US" smtClean="0"/>
-              <a:t>11/5/2015</a:t>
+              <a:t>11/15/2015</a:t>
             </a:fld>
-            <a:endParaRPr lang="en-US"/>
+            <a:endParaRPr lang="en-US" dirty="0"/>
           </a:p>
         </p:txBody>
       </p:sp>
@@ -5947,10 +5947,10 @@
           <a:lstStyle/>
           <a:p>
             <a:r>
-              <a:rPr lang="en-US" smtClean="0"/>
+              <a:rPr lang="en-US" dirty="0" smtClean="0"/>
               <a:t>Footer Text</a:t>
             </a:r>
-            <a:endParaRPr lang="en-US"/>
+            <a:endParaRPr lang="en-US" dirty="0"/>
           </a:p>
         </p:txBody>
       </p:sp>
@@ -5974,7 +5974,7 @@
               <a:pPr/>
               <a:t>‹Nº›</a:t>
             </a:fld>
-            <a:endParaRPr lang="en-US"/>
+            <a:endParaRPr lang="en-US" dirty="0"/>
           </a:p>
         </p:txBody>
       </p:sp>
@@ -6113,9 +6113,9 @@
           <a:p>
             <a:fld id="{B11D738E-8962-435F-8C43-147B8DD7E819}" type="datetime1">
               <a:rPr lang="en-US" smtClean="0"/>
-              <a:t>11/5/2015</a:t>
+              <a:t>11/15/2015</a:t>
             </a:fld>
-            <a:endParaRPr lang="en-US"/>
+            <a:endParaRPr lang="en-US" dirty="0"/>
           </a:p>
         </p:txBody>
       </p:sp>
@@ -6135,10 +6135,10 @@
           <a:lstStyle/>
           <a:p>
             <a:r>
-              <a:rPr lang="en-US" smtClean="0"/>
+              <a:rPr lang="en-US" dirty="0" smtClean="0"/>
               <a:t>Footer Text</a:t>
             </a:r>
-            <a:endParaRPr lang="en-US"/>
+            <a:endParaRPr lang="en-US" dirty="0"/>
           </a:p>
         </p:txBody>
       </p:sp>
@@ -6162,7 +6162,7 @@
               <a:pPr/>
               <a:t>‹Nº›</a:t>
             </a:fld>
-            <a:endParaRPr lang="en-US"/>
+            <a:endParaRPr lang="en-US" dirty="0"/>
           </a:p>
         </p:txBody>
       </p:sp>
@@ -6380,9 +6380,9 @@
           <a:p>
             <a:fld id="{09CAEA93-55E7-4DA9-90C2-089A26EEFEC4}" type="datetime1">
               <a:rPr lang="en-US" smtClean="0"/>
-              <a:t>11/5/2015</a:t>
+              <a:t>11/15/2015</a:t>
             </a:fld>
-            <a:endParaRPr lang="en-US"/>
+            <a:endParaRPr lang="en-US" dirty="0"/>
           </a:p>
         </p:txBody>
       </p:sp>
@@ -6402,10 +6402,10 @@
           <a:lstStyle/>
           <a:p>
             <a:r>
-              <a:rPr lang="en-US" smtClean="0"/>
+              <a:rPr lang="en-US" dirty="0" smtClean="0"/>
               <a:t>Footer Text</a:t>
             </a:r>
-            <a:endParaRPr lang="en-US"/>
+            <a:endParaRPr lang="en-US" dirty="0"/>
           </a:p>
         </p:txBody>
       </p:sp>
@@ -6429,7 +6429,7 @@
               <a:pPr/>
               <a:t>‹Nº›</a:t>
             </a:fld>
-            <a:endParaRPr lang="en-US"/>
+            <a:endParaRPr lang="en-US" dirty="0"/>
           </a:p>
         </p:txBody>
       </p:sp>
@@ -6479,7 +6479,7 @@
           <a:lstStyle/>
           <a:p>
             <a:pPr algn="ctr"/>
-            <a:endParaRPr lang="en-US"/>
+            <a:endParaRPr lang="en-US" dirty="0"/>
           </a:p>
         </p:txBody>
       </p:sp>
@@ -6529,7 +6529,7 @@
           <a:lstStyle/>
           <a:p>
             <a:pPr algn="ctr"/>
-            <a:endParaRPr lang="en-US"/>
+            <a:endParaRPr lang="en-US" dirty="0"/>
           </a:p>
         </p:txBody>
       </p:sp>
@@ -6579,7 +6579,7 @@
           <a:lstStyle/>
           <a:p>
             <a:pPr algn="ctr"/>
-            <a:endParaRPr lang="en-US"/>
+            <a:endParaRPr lang="en-US" dirty="0"/>
           </a:p>
         </p:txBody>
       </p:sp>
@@ -6733,9 +6733,9 @@
           <a:p>
             <a:fld id="{E34CF3C7-6809-4F39-BD67-A75817BDDE0A}" type="datetime1">
               <a:rPr lang="en-US" smtClean="0"/>
-              <a:t>11/5/2015</a:t>
+              <a:t>11/15/2015</a:t>
             </a:fld>
-            <a:endParaRPr lang="en-US"/>
+            <a:endParaRPr lang="en-US" dirty="0"/>
           </a:p>
         </p:txBody>
       </p:sp>
@@ -6755,10 +6755,10 @@
           <a:lstStyle/>
           <a:p>
             <a:r>
-              <a:rPr lang="en-US" smtClean="0"/>
+              <a:rPr lang="en-US" dirty="0" smtClean="0"/>
               <a:t>Footer Text</a:t>
             </a:r>
-            <a:endParaRPr lang="en-US"/>
+            <a:endParaRPr lang="en-US" dirty="0"/>
           </a:p>
         </p:txBody>
       </p:sp>
@@ -6782,7 +6782,7 @@
               <a:pPr/>
               <a:t>‹Nº›</a:t>
             </a:fld>
-            <a:endParaRPr lang="en-US"/>
+            <a:endParaRPr lang="en-US" dirty="0"/>
           </a:p>
         </p:txBody>
       </p:sp>
@@ -7046,9 +7046,9 @@
           <a:p>
             <a:fld id="{F7EAEB24-CE78-465C-A726-91D0868FA48F}" type="datetime1">
               <a:rPr lang="en-US" smtClean="0"/>
-              <a:t>11/5/2015</a:t>
+              <a:t>11/15/2015</a:t>
             </a:fld>
-            <a:endParaRPr lang="en-US"/>
+            <a:endParaRPr lang="en-US" dirty="0"/>
           </a:p>
         </p:txBody>
       </p:sp>
@@ -7068,10 +7068,10 @@
           <a:lstStyle/>
           <a:p>
             <a:r>
-              <a:rPr lang="en-US" smtClean="0"/>
+              <a:rPr lang="en-US" dirty="0" smtClean="0"/>
               <a:t>Footer Text</a:t>
             </a:r>
-            <a:endParaRPr lang="en-US"/>
+            <a:endParaRPr lang="en-US" dirty="0"/>
           </a:p>
         </p:txBody>
       </p:sp>
@@ -7095,7 +7095,7 @@
               <a:pPr/>
               <a:t>‹Nº›</a:t>
             </a:fld>
-            <a:endParaRPr lang="en-US"/>
+            <a:endParaRPr lang="en-US" dirty="0"/>
           </a:p>
         </p:txBody>
       </p:sp>
@@ -7278,9 +7278,9 @@
           <a:p>
             <a:fld id="{40BAADF0-1749-4E8B-9691-B44A5F8C0895}" type="datetime1">
               <a:rPr lang="en-US" smtClean="0"/>
-              <a:t>11/5/2015</a:t>
+              <a:t>11/15/2015</a:t>
             </a:fld>
-            <a:endParaRPr lang="en-US"/>
+            <a:endParaRPr lang="en-US" dirty="0"/>
           </a:p>
         </p:txBody>
       </p:sp>
@@ -7300,10 +7300,10 @@
           <a:lstStyle/>
           <a:p>
             <a:r>
-              <a:rPr lang="en-US" smtClean="0"/>
+              <a:rPr lang="en-US" dirty="0" smtClean="0"/>
               <a:t>Footer Text</a:t>
             </a:r>
-            <a:endParaRPr lang="en-US"/>
+            <a:endParaRPr lang="en-US" dirty="0"/>
           </a:p>
         </p:txBody>
       </p:sp>
@@ -7327,7 +7327,7 @@
               <a:pPr/>
               <a:t>‹Nº›</a:t>
             </a:fld>
-            <a:endParaRPr lang="en-US"/>
+            <a:endParaRPr lang="en-US" dirty="0"/>
           </a:p>
         </p:txBody>
       </p:sp>
@@ -7373,9 +7373,9 @@
           <a:p>
             <a:fld id="{A8AF628A-A867-4937-BBE5-207DB6F9C51A}" type="datetime1">
               <a:rPr lang="en-US" smtClean="0"/>
-              <a:t>11/5/2015</a:t>
+              <a:t>11/15/2015</a:t>
             </a:fld>
-            <a:endParaRPr lang="en-US"/>
+            <a:endParaRPr lang="en-US" dirty="0"/>
           </a:p>
         </p:txBody>
       </p:sp>
@@ -7395,10 +7395,10 @@
           <a:lstStyle/>
           <a:p>
             <a:r>
-              <a:rPr lang="en-US" smtClean="0"/>
+              <a:rPr lang="en-US" dirty="0" smtClean="0"/>
               <a:t>Footer Text</a:t>
             </a:r>
-            <a:endParaRPr lang="en-US"/>
+            <a:endParaRPr lang="en-US" dirty="0"/>
           </a:p>
         </p:txBody>
       </p:sp>
@@ -7422,7 +7422,7 @@
               <a:pPr/>
               <a:t>‹Nº›</a:t>
             </a:fld>
-            <a:endParaRPr lang="en-US"/>
+            <a:endParaRPr lang="en-US" dirty="0"/>
           </a:p>
         </p:txBody>
       </p:sp>
@@ -7666,9 +7666,9 @@
           <a:p>
             <a:fld id="{118BBB94-68E6-4675-A946-F1C5994EDBD7}" type="datetime1">
               <a:rPr lang="en-US" smtClean="0"/>
-              <a:t>11/5/2015</a:t>
+              <a:t>11/15/2015</a:t>
             </a:fld>
-            <a:endParaRPr lang="en-US"/>
+            <a:endParaRPr lang="en-US" dirty="0"/>
           </a:p>
         </p:txBody>
       </p:sp>
@@ -7688,10 +7688,10 @@
           <a:lstStyle/>
           <a:p>
             <a:r>
-              <a:rPr lang="en-US" smtClean="0"/>
+              <a:rPr lang="en-US" dirty="0" smtClean="0"/>
               <a:t>Footer Text</a:t>
             </a:r>
-            <a:endParaRPr lang="en-US"/>
+            <a:endParaRPr lang="en-US" dirty="0"/>
           </a:p>
         </p:txBody>
       </p:sp>
@@ -7715,7 +7715,7 @@
               <a:pPr/>
               <a:t>‹Nº›</a:t>
             </a:fld>
-            <a:endParaRPr lang="en-US"/>
+            <a:endParaRPr lang="en-US" dirty="0"/>
           </a:p>
         </p:txBody>
       </p:sp>
@@ -7849,7 +7849,7 @@
           </a:lstStyle>
           <a:p>
             <a:r>
-              <a:rPr lang="es-ES" smtClean="0"/>
+              <a:rPr lang="es-ES" dirty="0" smtClean="0"/>
               <a:t>Haga clic en el icono para agregar una imagen</a:t>
             </a:r>
             <a:endParaRPr lang="en-US" dirty="0"/>
@@ -7940,9 +7940,9 @@
           <a:p>
             <a:fld id="{DC3B8377-21E3-4835-B75D-4E2847E2750F}" type="datetime1">
               <a:rPr lang="en-US" smtClean="0"/>
-              <a:t>11/5/2015</a:t>
+              <a:t>11/15/2015</a:t>
             </a:fld>
-            <a:endParaRPr lang="en-US"/>
+            <a:endParaRPr lang="en-US" dirty="0"/>
           </a:p>
         </p:txBody>
       </p:sp>
@@ -7962,10 +7962,10 @@
           <a:lstStyle/>
           <a:p>
             <a:r>
-              <a:rPr lang="en-US" smtClean="0"/>
+              <a:rPr lang="en-US" dirty="0" smtClean="0"/>
               <a:t>Footer Text</a:t>
             </a:r>
-            <a:endParaRPr lang="en-US"/>
+            <a:endParaRPr lang="en-US" dirty="0"/>
           </a:p>
         </p:txBody>
       </p:sp>
@@ -7989,7 +7989,7 @@
               <a:pPr/>
               <a:t>‹Nº›</a:t>
             </a:fld>
-            <a:endParaRPr lang="en-US"/>
+            <a:endParaRPr lang="en-US" dirty="0"/>
           </a:p>
         </p:txBody>
       </p:sp>
@@ -8155,7 +8155,7 @@
           <a:p>
             <a:fld id="{B0C4986D-6BE9-4264-908F-02DB36FD8D6C}" type="datetime1">
               <a:rPr lang="en-US" smtClean="0"/>
-              <a:t>11/5/2015</a:t>
+              <a:t>11/15/2015</a:t>
             </a:fld>
             <a:endParaRPr lang="en-US" dirty="0"/>
           </a:p>
@@ -8197,7 +8197,7 @@
           </a:lstStyle>
           <a:p>
             <a:r>
-              <a:rPr lang="en-US" smtClean="0"/>
+              <a:rPr lang="en-US" dirty="0" smtClean="0"/>
               <a:t>Footer Text</a:t>
             </a:r>
             <a:endParaRPr lang="en-US" dirty="0"/>
@@ -8294,7 +8294,7 @@
           <a:lstStyle/>
           <a:p>
             <a:pPr marL="0" algn="ctr" defTabSz="914400" rtl="0" eaLnBrk="1" latinLnBrk="0" hangingPunct="1"/>
-            <a:endParaRPr lang="en-US" sz="1800" kern="1200">
+            <a:endParaRPr lang="en-US" sz="1800" kern="1200" dirty="0">
               <a:solidFill>
                 <a:schemeClr val="lt1"/>
               </a:solidFill>
@@ -8351,7 +8351,7 @@
           <a:lstStyle/>
           <a:p>
             <a:pPr algn="ctr"/>
-            <a:endParaRPr lang="en-US"/>
+            <a:endParaRPr lang="en-US" dirty="0"/>
           </a:p>
         </p:txBody>
       </p:sp>
@@ -8696,7 +8696,7 @@
           <a:p>
             <a:fld id="{216C5678-EE20-4FA5-88E2-6E0BD67A2E26}" type="datetime1">
               <a:rPr lang="en-US" smtClean="0"/>
-              <a:t>11/5/2015</a:t>
+              <a:t>11/15/2015</a:t>
             </a:fld>
             <a:endParaRPr lang="en-US" dirty="0"/>
           </a:p>
@@ -8909,7 +8909,7 @@
               </a:spcBef>
             </a:pPr>
             <a:r>
-              <a:rPr lang="es-PE" sz="7000" smtClean="0">
+              <a:rPr lang="es-PE" sz="7000" dirty="0" smtClean="0">
                 <a:solidFill>
                   <a:schemeClr val="tx2"/>
                 </a:solidFill>
@@ -9206,7 +9206,7 @@
           <a:p>
             <a:fld id="{216C5678-EE20-4FA5-88E2-6E0BD67A2E26}" type="datetime1">
               <a:rPr lang="en-US" smtClean="0"/>
-              <a:t>11/5/2015</a:t>
+              <a:t>11/15/2015</a:t>
             </a:fld>
             <a:endParaRPr lang="en-US" dirty="0"/>
           </a:p>
@@ -9756,7 +9756,7 @@
           <a:p>
             <a:fld id="{216C5678-EE20-4FA5-88E2-6E0BD67A2E26}" type="datetime1">
               <a:rPr lang="en-US" smtClean="0"/>
-              <a:t>11/5/2015</a:t>
+              <a:t>11/15/2015</a:t>
             </a:fld>
             <a:endParaRPr lang="en-US" dirty="0"/>
           </a:p>
@@ -9919,7 +9919,7 @@
           <a:p>
             <a:fld id="{216C5678-EE20-4FA5-88E2-6E0BD67A2E26}" type="datetime1">
               <a:rPr lang="en-US" smtClean="0"/>
-              <a:t>11/5/2015</a:t>
+              <a:t>11/15/2015</a:t>
             </a:fld>
             <a:endParaRPr lang="en-US" dirty="0"/>
           </a:p>
@@ -10171,7 +10171,7 @@
           <a:p>
             <a:fld id="{216C5678-EE20-4FA5-88E2-6E0BD67A2E26}" type="datetime1">
               <a:rPr lang="en-US" smtClean="0"/>
-              <a:t>11/5/2015</a:t>
+              <a:t>11/15/2015</a:t>
             </a:fld>
             <a:endParaRPr lang="en-US" dirty="0"/>
           </a:p>
@@ -14009,35 +14009,35 @@
                 <a:gridCol w="216024">
                   <a:extLst>
                     <a:ext uri="{9D8B030D-6E8A-4147-A177-3AD203B41FA5}">
-                      <a16:colId xmlns:a16="http://schemas.microsoft.com/office/drawing/2014/main" val="20000"/>
+                      <a16:colId xmlns:a16="http://schemas.microsoft.com/office/drawing/2014/main" xmlns="" val="20000"/>
                     </a:ext>
                   </a:extLst>
                 </a:gridCol>
                 <a:gridCol w="1440160">
                   <a:extLst>
                     <a:ext uri="{9D8B030D-6E8A-4147-A177-3AD203B41FA5}">
-                      <a16:colId xmlns:a16="http://schemas.microsoft.com/office/drawing/2014/main" val="20001"/>
+                      <a16:colId xmlns:a16="http://schemas.microsoft.com/office/drawing/2014/main" xmlns="" val="20001"/>
                     </a:ext>
                   </a:extLst>
                 </a:gridCol>
                 <a:gridCol w="1368152">
                   <a:extLst>
                     <a:ext uri="{9D8B030D-6E8A-4147-A177-3AD203B41FA5}">
-                      <a16:colId xmlns:a16="http://schemas.microsoft.com/office/drawing/2014/main" val="20002"/>
+                      <a16:colId xmlns:a16="http://schemas.microsoft.com/office/drawing/2014/main" xmlns="" val="20002"/>
                     </a:ext>
                   </a:extLst>
                 </a:gridCol>
                 <a:gridCol w="3528392">
                   <a:extLst>
                     <a:ext uri="{9D8B030D-6E8A-4147-A177-3AD203B41FA5}">
-                      <a16:colId xmlns:a16="http://schemas.microsoft.com/office/drawing/2014/main" val="20003"/>
+                      <a16:colId xmlns:a16="http://schemas.microsoft.com/office/drawing/2014/main" xmlns="" val="20003"/>
                     </a:ext>
                   </a:extLst>
                 </a:gridCol>
                 <a:gridCol w="2232249">
                   <a:extLst>
                     <a:ext uri="{9D8B030D-6E8A-4147-A177-3AD203B41FA5}">
-                      <a16:colId xmlns:a16="http://schemas.microsoft.com/office/drawing/2014/main" val="20004"/>
+                      <a16:colId xmlns:a16="http://schemas.microsoft.com/office/drawing/2014/main" xmlns="" val="20004"/>
                     </a:ext>
                   </a:extLst>
                 </a:gridCol>
@@ -14170,7 +14170,7 @@
                 </a:tc>
                 <a:extLst>
                   <a:ext uri="{0D108BD9-81ED-4DB2-BD59-A6C34878D82A}">
-                    <a16:rowId xmlns:a16="http://schemas.microsoft.com/office/drawing/2014/main" val="10000"/>
+                    <a16:rowId xmlns:a16="http://schemas.microsoft.com/office/drawing/2014/main" xmlns="" val="10000"/>
                   </a:ext>
                 </a:extLst>
               </a:tr>
@@ -14417,7 +14417,7 @@
                 </a:tc>
                 <a:extLst>
                   <a:ext uri="{0D108BD9-81ED-4DB2-BD59-A6C34878D82A}">
-                    <a16:rowId xmlns:a16="http://schemas.microsoft.com/office/drawing/2014/main" val="10001"/>
+                    <a16:rowId xmlns:a16="http://schemas.microsoft.com/office/drawing/2014/main" xmlns="" val="10001"/>
                   </a:ext>
                 </a:extLst>
               </a:tr>
@@ -14657,7 +14657,7 @@
                 </a:tc>
                 <a:extLst>
                   <a:ext uri="{0D108BD9-81ED-4DB2-BD59-A6C34878D82A}">
-                    <a16:rowId xmlns:a16="http://schemas.microsoft.com/office/drawing/2014/main" val="10002"/>
+                    <a16:rowId xmlns:a16="http://schemas.microsoft.com/office/drawing/2014/main" xmlns="" val="10002"/>
                   </a:ext>
                 </a:extLst>
               </a:tr>
@@ -14900,7 +14900,7 @@
                 </a:tc>
                 <a:extLst>
                   <a:ext uri="{0D108BD9-81ED-4DB2-BD59-A6C34878D82A}">
-                    <a16:rowId xmlns:a16="http://schemas.microsoft.com/office/drawing/2014/main" val="10003"/>
+                    <a16:rowId xmlns:a16="http://schemas.microsoft.com/office/drawing/2014/main" xmlns="" val="10003"/>
                   </a:ext>
                 </a:extLst>
               </a:tr>
@@ -14958,7 +14958,7 @@
           <a:p>
             <a:fld id="{216C5678-EE20-4FA5-88E2-6E0BD67A2E26}" type="datetime1">
               <a:rPr lang="en-US" smtClean="0"/>
-              <a:t>11/5/2015</a:t>
+              <a:t>11/15/2015</a:t>
             </a:fld>
             <a:endParaRPr lang="en-US" dirty="0"/>
           </a:p>
@@ -15200,35 +15200,35 @@
                 <a:gridCol w="216024">
                   <a:extLst>
                     <a:ext uri="{9D8B030D-6E8A-4147-A177-3AD203B41FA5}">
-                      <a16:colId xmlns:a16="http://schemas.microsoft.com/office/drawing/2014/main" val="20000"/>
+                      <a16:colId xmlns:a16="http://schemas.microsoft.com/office/drawing/2014/main" xmlns="" val="20000"/>
                     </a:ext>
                   </a:extLst>
                 </a:gridCol>
                 <a:gridCol w="1440160">
                   <a:extLst>
                     <a:ext uri="{9D8B030D-6E8A-4147-A177-3AD203B41FA5}">
-                      <a16:colId xmlns:a16="http://schemas.microsoft.com/office/drawing/2014/main" val="20001"/>
+                      <a16:colId xmlns:a16="http://schemas.microsoft.com/office/drawing/2014/main" xmlns="" val="20001"/>
                     </a:ext>
                   </a:extLst>
                 </a:gridCol>
                 <a:gridCol w="2016224">
                   <a:extLst>
                     <a:ext uri="{9D8B030D-6E8A-4147-A177-3AD203B41FA5}">
-                      <a16:colId xmlns:a16="http://schemas.microsoft.com/office/drawing/2014/main" val="20002"/>
+                      <a16:colId xmlns:a16="http://schemas.microsoft.com/office/drawing/2014/main" xmlns="" val="20002"/>
                     </a:ext>
                   </a:extLst>
                 </a:gridCol>
                 <a:gridCol w="3600400">
                   <a:extLst>
                     <a:ext uri="{9D8B030D-6E8A-4147-A177-3AD203B41FA5}">
-                      <a16:colId xmlns:a16="http://schemas.microsoft.com/office/drawing/2014/main" val="20003"/>
+                      <a16:colId xmlns:a16="http://schemas.microsoft.com/office/drawing/2014/main" xmlns="" val="20003"/>
                     </a:ext>
                   </a:extLst>
                 </a:gridCol>
                 <a:gridCol w="1512169">
                   <a:extLst>
                     <a:ext uri="{9D8B030D-6E8A-4147-A177-3AD203B41FA5}">
-                      <a16:colId xmlns:a16="http://schemas.microsoft.com/office/drawing/2014/main" val="20004"/>
+                      <a16:colId xmlns:a16="http://schemas.microsoft.com/office/drawing/2014/main" xmlns="" val="20004"/>
                     </a:ext>
                   </a:extLst>
                 </a:gridCol>
@@ -15361,7 +15361,7 @@
                 </a:tc>
                 <a:extLst>
                   <a:ext uri="{0D108BD9-81ED-4DB2-BD59-A6C34878D82A}">
-                    <a16:rowId xmlns:a16="http://schemas.microsoft.com/office/drawing/2014/main" val="10000"/>
+                    <a16:rowId xmlns:a16="http://schemas.microsoft.com/office/drawing/2014/main" xmlns="" val="10000"/>
                   </a:ext>
                 </a:extLst>
               </a:tr>
@@ -15596,7 +15596,7 @@
                 </a:tc>
                 <a:extLst>
                   <a:ext uri="{0D108BD9-81ED-4DB2-BD59-A6C34878D82A}">
-                    <a16:rowId xmlns:a16="http://schemas.microsoft.com/office/drawing/2014/main" val="10001"/>
+                    <a16:rowId xmlns:a16="http://schemas.microsoft.com/office/drawing/2014/main" xmlns="" val="10001"/>
                   </a:ext>
                 </a:extLst>
               </a:tr>
@@ -15780,7 +15780,7 @@
                 </a:tc>
                 <a:extLst>
                   <a:ext uri="{0D108BD9-81ED-4DB2-BD59-A6C34878D82A}">
-                    <a16:rowId xmlns:a16="http://schemas.microsoft.com/office/drawing/2014/main" val="10002"/>
+                    <a16:rowId xmlns:a16="http://schemas.microsoft.com/office/drawing/2014/main" xmlns="" val="10002"/>
                   </a:ext>
                 </a:extLst>
               </a:tr>
@@ -15967,7 +15967,7 @@
                 </a:tc>
                 <a:extLst>
                   <a:ext uri="{0D108BD9-81ED-4DB2-BD59-A6C34878D82A}">
-                    <a16:rowId xmlns:a16="http://schemas.microsoft.com/office/drawing/2014/main" val="10003"/>
+                    <a16:rowId xmlns:a16="http://schemas.microsoft.com/office/drawing/2014/main" xmlns="" val="10003"/>
                   </a:ext>
                 </a:extLst>
               </a:tr>
@@ -16025,7 +16025,7 @@
           <a:p>
             <a:fld id="{216C5678-EE20-4FA5-88E2-6E0BD67A2E26}" type="datetime1">
               <a:rPr lang="en-US" smtClean="0"/>
-              <a:t>11/5/2015</a:t>
+              <a:t>11/15/2015</a:t>
             </a:fld>
             <a:endParaRPr lang="en-US" dirty="0"/>
           </a:p>
@@ -16335,7 +16335,7 @@
           <a:p>
             <a:fld id="{216C5678-EE20-4FA5-88E2-6E0BD67A2E26}" type="datetime1">
               <a:rPr lang="en-US" smtClean="0"/>
-              <a:t>11/5/2015</a:t>
+              <a:t>11/15/2015</a:t>
             </a:fld>
             <a:endParaRPr lang="en-US" dirty="0"/>
           </a:p>
@@ -16615,7 +16615,7 @@
           <a:p>
             <a:fld id="{216C5678-EE20-4FA5-88E2-6E0BD67A2E26}" type="datetime1">
               <a:rPr lang="en-US" smtClean="0"/>
-              <a:t>11/5/2015</a:t>
+              <a:t>11/15/2015</a:t>
             </a:fld>
             <a:endParaRPr lang="en-US" dirty="0"/>
           </a:p>
@@ -16836,7 +16836,7 @@
           <a:p>
             <a:fld id="{216C5678-EE20-4FA5-88E2-6E0BD67A2E26}" type="datetime1">
               <a:rPr lang="en-US" smtClean="0"/>
-              <a:t>11/5/2015</a:t>
+              <a:t>11/15/2015</a:t>
             </a:fld>
             <a:endParaRPr lang="en-US" dirty="0"/>
           </a:p>
@@ -16981,7 +16981,7 @@
         <p:spPr>
           <a:xfrm>
             <a:off x="0" y="764704"/>
-            <a:ext cx="9144000" cy="4123184"/>
+            <a:ext cx="9144000" cy="4752528"/>
           </a:xfrm>
         </p:spPr>
         <p:txBody>
@@ -16990,7 +16990,18 @@
           <a:p>
             <a:r>
               <a:rPr lang="es-ES" sz="6300" dirty="0" smtClean="0"/>
-              <a:t>PROCESO DE GESTIÓN DE CAMBIOS DE REQUERIMIENTOS</a:t>
+              <a:t>PGREQM</a:t>
+            </a:r>
+            <a:br>
+              <a:rPr lang="es-ES" sz="6300" dirty="0" smtClean="0"/>
+            </a:br>
+            <a:r>
+              <a:rPr lang="es-ES" sz="6300" dirty="0" smtClean="0"/>
+              <a:t>PROCESO </a:t>
+            </a:r>
+            <a:r>
+              <a:rPr lang="es-ES" sz="6300" dirty="0" smtClean="0"/>
+              <a:t>DE GESTIÓN DE CAMBIOS DE REQUERIMIENTOS</a:t>
             </a:r>
             <a:endParaRPr lang="es-PE" sz="6300" dirty="0"/>
           </a:p>
@@ -17070,7 +17081,7 @@
           <a:p>
             <a:fld id="{216C5678-EE20-4FA5-88E2-6E0BD67A2E26}" type="datetime1">
               <a:rPr lang="en-US" smtClean="0"/>
-              <a:t>11/5/2015</a:t>
+              <a:t>11/15/2015</a:t>
             </a:fld>
             <a:endParaRPr lang="en-US" dirty="0"/>
           </a:p>
@@ -17228,28 +17239,28 @@
                 <a:gridCol w="545659">
                   <a:extLst>
                     <a:ext uri="{9D8B030D-6E8A-4147-A177-3AD203B41FA5}">
-                      <a16:colId xmlns:a16="http://schemas.microsoft.com/office/drawing/2014/main" val="20000"/>
+                      <a16:colId xmlns:a16="http://schemas.microsoft.com/office/drawing/2014/main" xmlns="" val="20000"/>
                     </a:ext>
                   </a:extLst>
                 </a:gridCol>
                 <a:gridCol w="3269919">
                   <a:extLst>
                     <a:ext uri="{9D8B030D-6E8A-4147-A177-3AD203B41FA5}">
-                      <a16:colId xmlns:a16="http://schemas.microsoft.com/office/drawing/2014/main" val="20001"/>
+                      <a16:colId xmlns:a16="http://schemas.microsoft.com/office/drawing/2014/main" xmlns="" val="20001"/>
                     </a:ext>
                   </a:extLst>
                 </a:gridCol>
                 <a:gridCol w="2449117">
                   <a:extLst>
                     <a:ext uri="{9D8B030D-6E8A-4147-A177-3AD203B41FA5}">
-                      <a16:colId xmlns:a16="http://schemas.microsoft.com/office/drawing/2014/main" val="20002"/>
+                      <a16:colId xmlns:a16="http://schemas.microsoft.com/office/drawing/2014/main" xmlns="" val="20002"/>
                     </a:ext>
                   </a:extLst>
                 </a:gridCol>
                 <a:gridCol w="2160241">
                   <a:extLst>
                     <a:ext uri="{9D8B030D-6E8A-4147-A177-3AD203B41FA5}">
-                      <a16:colId xmlns:a16="http://schemas.microsoft.com/office/drawing/2014/main" val="20003"/>
+                      <a16:colId xmlns:a16="http://schemas.microsoft.com/office/drawing/2014/main" xmlns="" val="20003"/>
                     </a:ext>
                   </a:extLst>
                 </a:gridCol>
@@ -17625,7 +17636,7 @@
                 </a:tc>
                 <a:extLst>
                   <a:ext uri="{0D108BD9-81ED-4DB2-BD59-A6C34878D82A}">
-                    <a16:rowId xmlns:a16="http://schemas.microsoft.com/office/drawing/2014/main" val="10000"/>
+                    <a16:rowId xmlns:a16="http://schemas.microsoft.com/office/drawing/2014/main" xmlns="" val="10000"/>
                   </a:ext>
                 </a:extLst>
               </a:tr>
@@ -17973,7 +17984,7 @@
                 </a:tc>
                 <a:extLst>
                   <a:ext uri="{0D108BD9-81ED-4DB2-BD59-A6C34878D82A}">
-                    <a16:rowId xmlns:a16="http://schemas.microsoft.com/office/drawing/2014/main" val="10001"/>
+                    <a16:rowId xmlns:a16="http://schemas.microsoft.com/office/drawing/2014/main" xmlns="" val="10001"/>
                   </a:ext>
                 </a:extLst>
               </a:tr>
@@ -18000,7 +18011,7 @@
                         <a:tabLst/>
                       </a:pPr>
                       <a:r>
-                        <a:rPr lang="es-PE" sz="1200" b="1" kern="1200" smtClean="0">
+                        <a:rPr lang="es-PE" sz="1200" b="1" kern="1200" dirty="0" smtClean="0">
                           <a:solidFill>
                             <a:schemeClr val="dk1"/>
                           </a:solidFill>
@@ -18010,7 +18021,7 @@
                         </a:rPr>
                         <a:t>2</a:t>
                       </a:r>
-                      <a:endParaRPr lang="es-ES" sz="1200" b="1" kern="1200" smtClean="0">
+                      <a:endParaRPr lang="es-ES" sz="1200" b="1" kern="1200" dirty="0" smtClean="0">
                         <a:solidFill>
                           <a:schemeClr val="dk1"/>
                         </a:solidFill>
@@ -18319,7 +18330,7 @@
                 </a:tc>
                 <a:extLst>
                   <a:ext uri="{0D108BD9-81ED-4DB2-BD59-A6C34878D82A}">
-                    <a16:rowId xmlns:a16="http://schemas.microsoft.com/office/drawing/2014/main" val="10002"/>
+                    <a16:rowId xmlns:a16="http://schemas.microsoft.com/office/drawing/2014/main" xmlns="" val="10002"/>
                   </a:ext>
                 </a:extLst>
               </a:tr>
@@ -18668,7 +18679,7 @@
                 </a:tc>
                 <a:extLst>
                   <a:ext uri="{0D108BD9-81ED-4DB2-BD59-A6C34878D82A}">
-                    <a16:rowId xmlns:a16="http://schemas.microsoft.com/office/drawing/2014/main" val="10003"/>
+                    <a16:rowId xmlns:a16="http://schemas.microsoft.com/office/drawing/2014/main" xmlns="" val="10003"/>
                   </a:ext>
                 </a:extLst>
               </a:tr>
@@ -19017,7 +19028,7 @@
                 </a:tc>
                 <a:extLst>
                   <a:ext uri="{0D108BD9-81ED-4DB2-BD59-A6C34878D82A}">
-                    <a16:rowId xmlns:a16="http://schemas.microsoft.com/office/drawing/2014/main" val="10004"/>
+                    <a16:rowId xmlns:a16="http://schemas.microsoft.com/office/drawing/2014/main" xmlns="" val="10004"/>
                   </a:ext>
                 </a:extLst>
               </a:tr>
@@ -19362,7 +19373,7 @@
                 </a:tc>
                 <a:extLst>
                   <a:ext uri="{0D108BD9-81ED-4DB2-BD59-A6C34878D82A}">
-                    <a16:rowId xmlns:a16="http://schemas.microsoft.com/office/drawing/2014/main" val="10005"/>
+                    <a16:rowId xmlns:a16="http://schemas.microsoft.com/office/drawing/2014/main" xmlns="" val="10005"/>
                   </a:ext>
                 </a:extLst>
               </a:tr>
@@ -19527,7 +19538,7 @@
           <a:p>
             <a:fld id="{216C5678-EE20-4FA5-88E2-6E0BD67A2E26}" type="datetime1">
               <a:rPr lang="en-US" smtClean="0"/>
-              <a:t>11/5/2015</a:t>
+              <a:t>11/15/2015</a:t>
             </a:fld>
             <a:endParaRPr lang="en-US" dirty="0"/>
           </a:p>
@@ -19711,42 +19722,42 @@
                 <a:gridCol w="208280">
                   <a:extLst>
                     <a:ext uri="{9D8B030D-6E8A-4147-A177-3AD203B41FA5}">
-                      <a16:colId xmlns:a16="http://schemas.microsoft.com/office/drawing/2014/main" val="20000"/>
+                      <a16:colId xmlns:a16="http://schemas.microsoft.com/office/drawing/2014/main" xmlns="" val="20000"/>
                     </a:ext>
                   </a:extLst>
                 </a:gridCol>
                 <a:gridCol w="870206">
                   <a:extLst>
                     <a:ext uri="{9D8B030D-6E8A-4147-A177-3AD203B41FA5}">
-                      <a16:colId xmlns:a16="http://schemas.microsoft.com/office/drawing/2014/main" val="20001"/>
+                      <a16:colId xmlns:a16="http://schemas.microsoft.com/office/drawing/2014/main" xmlns="" val="20001"/>
                     </a:ext>
                   </a:extLst>
                 </a:gridCol>
                 <a:gridCol w="1015241">
                   <a:extLst>
                     <a:ext uri="{9D8B030D-6E8A-4147-A177-3AD203B41FA5}">
-                      <a16:colId xmlns:a16="http://schemas.microsoft.com/office/drawing/2014/main" val="20002"/>
+                      <a16:colId xmlns:a16="http://schemas.microsoft.com/office/drawing/2014/main" xmlns="" val="20002"/>
                     </a:ext>
                   </a:extLst>
                 </a:gridCol>
                 <a:gridCol w="1860540">
                   <a:extLst>
                     <a:ext uri="{9D8B030D-6E8A-4147-A177-3AD203B41FA5}">
-                      <a16:colId xmlns:a16="http://schemas.microsoft.com/office/drawing/2014/main" val="20003"/>
+                      <a16:colId xmlns:a16="http://schemas.microsoft.com/office/drawing/2014/main" xmlns="" val="20003"/>
                     </a:ext>
                   </a:extLst>
                 </a:gridCol>
                 <a:gridCol w="1692861">
                   <a:extLst>
                     <a:ext uri="{9D8B030D-6E8A-4147-A177-3AD203B41FA5}">
-                      <a16:colId xmlns:a16="http://schemas.microsoft.com/office/drawing/2014/main" val="20004"/>
+                      <a16:colId xmlns:a16="http://schemas.microsoft.com/office/drawing/2014/main" xmlns="" val="20004"/>
                     </a:ext>
                   </a:extLst>
                 </a:gridCol>
                 <a:gridCol w="3021496">
                   <a:extLst>
                     <a:ext uri="{9D8B030D-6E8A-4147-A177-3AD203B41FA5}">
-                      <a16:colId xmlns:a16="http://schemas.microsoft.com/office/drawing/2014/main" val="20005"/>
+                      <a16:colId xmlns:a16="http://schemas.microsoft.com/office/drawing/2014/main" xmlns="" val="20005"/>
                     </a:ext>
                   </a:extLst>
                 </a:gridCol>
@@ -19910,7 +19921,7 @@
                 </a:tc>
                 <a:extLst>
                   <a:ext uri="{0D108BD9-81ED-4DB2-BD59-A6C34878D82A}">
-                    <a16:rowId xmlns:a16="http://schemas.microsoft.com/office/drawing/2014/main" val="10000"/>
+                    <a16:rowId xmlns:a16="http://schemas.microsoft.com/office/drawing/2014/main" xmlns="" val="10000"/>
                   </a:ext>
                 </a:extLst>
               </a:tr>
@@ -20248,7 +20259,7 @@
                 </a:tc>
                 <a:extLst>
                   <a:ext uri="{0D108BD9-81ED-4DB2-BD59-A6C34878D82A}">
-                    <a16:rowId xmlns:a16="http://schemas.microsoft.com/office/drawing/2014/main" val="10001"/>
+                    <a16:rowId xmlns:a16="http://schemas.microsoft.com/office/drawing/2014/main" xmlns="" val="10001"/>
                   </a:ext>
                 </a:extLst>
               </a:tr>
@@ -20586,7 +20597,7 @@
                 </a:tc>
                 <a:extLst>
                   <a:ext uri="{0D108BD9-81ED-4DB2-BD59-A6C34878D82A}">
-                    <a16:rowId xmlns:a16="http://schemas.microsoft.com/office/drawing/2014/main" val="10002"/>
+                    <a16:rowId xmlns:a16="http://schemas.microsoft.com/office/drawing/2014/main" xmlns="" val="10002"/>
                   </a:ext>
                 </a:extLst>
               </a:tr>
@@ -20714,7 +20725,7 @@
                         <a:buNone/>
                         <a:tabLst/>
                       </a:pPr>
-                      <a:endParaRPr lang="es-ES" sz="1200" kern="1200" smtClean="0">
+                      <a:endParaRPr lang="es-ES" sz="1200" kern="1200" dirty="0" smtClean="0">
                         <a:solidFill>
                           <a:schemeClr val="dk1"/>
                         </a:solidFill>
@@ -20794,7 +20805,7 @@
                 </a:tc>
                 <a:extLst>
                   <a:ext uri="{0D108BD9-81ED-4DB2-BD59-A6C34878D82A}">
-                    <a16:rowId xmlns:a16="http://schemas.microsoft.com/office/drawing/2014/main" val="10003"/>
+                    <a16:rowId xmlns:a16="http://schemas.microsoft.com/office/drawing/2014/main" xmlns="" val="10003"/>
                   </a:ext>
                 </a:extLst>
               </a:tr>
@@ -20922,7 +20933,7 @@
                         <a:buNone/>
                         <a:tabLst/>
                       </a:pPr>
-                      <a:endParaRPr lang="es-ES" sz="1200" kern="1200" smtClean="0">
+                      <a:endParaRPr lang="es-ES" sz="1200" kern="1200" dirty="0" smtClean="0">
                         <a:solidFill>
                           <a:schemeClr val="dk1"/>
                         </a:solidFill>
@@ -21002,7 +21013,7 @@
                 </a:tc>
                 <a:extLst>
                   <a:ext uri="{0D108BD9-81ED-4DB2-BD59-A6C34878D82A}">
-                    <a16:rowId xmlns:a16="http://schemas.microsoft.com/office/drawing/2014/main" val="10004"/>
+                    <a16:rowId xmlns:a16="http://schemas.microsoft.com/office/drawing/2014/main" xmlns="" val="10004"/>
                   </a:ext>
                 </a:extLst>
               </a:tr>
@@ -21210,7 +21221,7 @@
                 </a:tc>
                 <a:extLst>
                   <a:ext uri="{0D108BD9-81ED-4DB2-BD59-A6C34878D82A}">
-                    <a16:rowId xmlns:a16="http://schemas.microsoft.com/office/drawing/2014/main" val="10005"/>
+                    <a16:rowId xmlns:a16="http://schemas.microsoft.com/office/drawing/2014/main" xmlns="" val="10005"/>
                   </a:ext>
                 </a:extLst>
               </a:tr>
@@ -21418,7 +21429,7 @@
                 </a:tc>
                 <a:extLst>
                   <a:ext uri="{0D108BD9-81ED-4DB2-BD59-A6C34878D82A}">
-                    <a16:rowId xmlns:a16="http://schemas.microsoft.com/office/drawing/2014/main" val="10006"/>
+                    <a16:rowId xmlns:a16="http://schemas.microsoft.com/office/drawing/2014/main" xmlns="" val="10006"/>
                   </a:ext>
                 </a:extLst>
               </a:tr>
@@ -21903,7 +21914,7 @@
             <a:fld id="{216C5678-EE20-4FA5-88E2-6E0BD67A2E26}" type="datetime1">
               <a:rPr lang="en-US" smtClean="0"/>
               <a:pPr/>
-              <a:t>11/5/2015</a:t>
+              <a:t>11/15/2015</a:t>
             </a:fld>
             <a:endParaRPr lang="en-US" dirty="0"/>
           </a:p>
@@ -22064,7 +22075,7 @@
           <a:p>
             <a:fld id="{216C5678-EE20-4FA5-88E2-6E0BD67A2E26}" type="datetime1">
               <a:rPr lang="en-US" smtClean="0"/>
-              <a:t>11/5/2015</a:t>
+              <a:t>11/15/2015</a:t>
             </a:fld>
             <a:endParaRPr lang="en-US" dirty="0"/>
           </a:p>
@@ -22430,7 +22441,7 @@
           <a:p>
             <a:fld id="{216C5678-EE20-4FA5-88E2-6E0BD67A2E26}" type="datetime1">
               <a:rPr lang="en-US" smtClean="0"/>
-              <a:t>11/5/2015</a:t>
+              <a:t>11/15/2015</a:t>
             </a:fld>
             <a:endParaRPr lang="en-US" dirty="0"/>
           </a:p>
@@ -22621,7 +22632,7 @@
           <a:p>
             <a:fld id="{216C5678-EE20-4FA5-88E2-6E0BD67A2E26}" type="datetime1">
               <a:rPr lang="en-US" smtClean="0"/>
-              <a:t>11/5/2015</a:t>
+              <a:t>11/15/2015</a:t>
             </a:fld>
             <a:endParaRPr lang="en-US" dirty="0"/>
           </a:p>
@@ -22805,21 +22816,21 @@
                 <a:gridCol w="359678">
                   <a:extLst>
                     <a:ext uri="{9D8B030D-6E8A-4147-A177-3AD203B41FA5}">
-                      <a16:colId xmlns:a16="http://schemas.microsoft.com/office/drawing/2014/main" val="20000"/>
+                      <a16:colId xmlns:a16="http://schemas.microsoft.com/office/drawing/2014/main" xmlns="" val="20000"/>
                     </a:ext>
                   </a:extLst>
                 </a:gridCol>
                 <a:gridCol w="1741244">
                   <a:extLst>
                     <a:ext uri="{9D8B030D-6E8A-4147-A177-3AD203B41FA5}">
-                      <a16:colId xmlns:a16="http://schemas.microsoft.com/office/drawing/2014/main" val="20001"/>
+                      <a16:colId xmlns:a16="http://schemas.microsoft.com/office/drawing/2014/main" xmlns="" val="20001"/>
                     </a:ext>
                   </a:extLst>
                 </a:gridCol>
                 <a:gridCol w="6324014">
                   <a:extLst>
                     <a:ext uri="{9D8B030D-6E8A-4147-A177-3AD203B41FA5}">
-                      <a16:colId xmlns:a16="http://schemas.microsoft.com/office/drawing/2014/main" val="20002"/>
+                      <a16:colId xmlns:a16="http://schemas.microsoft.com/office/drawing/2014/main" xmlns="" val="20002"/>
                     </a:ext>
                   </a:extLst>
                 </a:gridCol>
@@ -22902,7 +22913,7 @@
                 </a:tc>
                 <a:extLst>
                   <a:ext uri="{0D108BD9-81ED-4DB2-BD59-A6C34878D82A}">
-                    <a16:rowId xmlns:a16="http://schemas.microsoft.com/office/drawing/2014/main" val="10000"/>
+                    <a16:rowId xmlns:a16="http://schemas.microsoft.com/office/drawing/2014/main" xmlns="" val="10000"/>
                   </a:ext>
                 </a:extLst>
               </a:tr>
@@ -23012,7 +23023,7 @@
                 </a:tc>
                 <a:extLst>
                   <a:ext uri="{0D108BD9-81ED-4DB2-BD59-A6C34878D82A}">
-                    <a16:rowId xmlns:a16="http://schemas.microsoft.com/office/drawing/2014/main" val="10001"/>
+                    <a16:rowId xmlns:a16="http://schemas.microsoft.com/office/drawing/2014/main" xmlns="" val="10001"/>
                   </a:ext>
                 </a:extLst>
               </a:tr>
@@ -23114,7 +23125,7 @@
                 </a:tc>
                 <a:extLst>
                   <a:ext uri="{0D108BD9-81ED-4DB2-BD59-A6C34878D82A}">
-                    <a16:rowId xmlns:a16="http://schemas.microsoft.com/office/drawing/2014/main" val="10002"/>
+                    <a16:rowId xmlns:a16="http://schemas.microsoft.com/office/drawing/2014/main" xmlns="" val="10002"/>
                   </a:ext>
                 </a:extLst>
               </a:tr>
@@ -23216,7 +23227,7 @@
                 </a:tc>
                 <a:extLst>
                   <a:ext uri="{0D108BD9-81ED-4DB2-BD59-A6C34878D82A}">
-                    <a16:rowId xmlns:a16="http://schemas.microsoft.com/office/drawing/2014/main" val="10003"/>
+                    <a16:rowId xmlns:a16="http://schemas.microsoft.com/office/drawing/2014/main" xmlns="" val="10003"/>
                   </a:ext>
                 </a:extLst>
               </a:tr>
@@ -23337,7 +23348,7 @@
                 </a:tc>
                 <a:extLst>
                   <a:ext uri="{0D108BD9-81ED-4DB2-BD59-A6C34878D82A}">
-                    <a16:rowId xmlns:a16="http://schemas.microsoft.com/office/drawing/2014/main" val="10004"/>
+                    <a16:rowId xmlns:a16="http://schemas.microsoft.com/office/drawing/2014/main" xmlns="" val="10004"/>
                   </a:ext>
                 </a:extLst>
               </a:tr>
@@ -23395,7 +23406,7 @@
           <a:p>
             <a:fld id="{216C5678-EE20-4FA5-88E2-6E0BD67A2E26}" type="datetime1">
               <a:rPr lang="en-US" smtClean="0"/>
-              <a:t>11/5/2015</a:t>
+              <a:t>11/15/2015</a:t>
             </a:fld>
             <a:endParaRPr lang="en-US" dirty="0"/>
           </a:p>
@@ -23558,7 +23569,7 @@
           <a:p>
             <a:fld id="{216C5678-EE20-4FA5-88E2-6E0BD67A2E26}" type="datetime1">
               <a:rPr lang="en-US" smtClean="0"/>
-              <a:t>11/5/2015</a:t>
+              <a:t>11/15/2015</a:t>
             </a:fld>
             <a:endParaRPr lang="en-US" dirty="0"/>
           </a:p>
@@ -23786,7 +23797,7 @@
           <a:p>
             <a:fld id="{216C5678-EE20-4FA5-88E2-6E0BD67A2E26}" type="datetime1">
               <a:rPr lang="en-US" smtClean="0"/>
-              <a:t>11/5/2015</a:t>
+              <a:t>11/15/2015</a:t>
             </a:fld>
             <a:endParaRPr lang="en-US" dirty="0"/>
           </a:p>

--- a/Area_de_Proceso-_REQM/PGREQM/PGREQM_V1.1_2015.pptx
+++ b/Area_de_Proceso-_REQM/PGREQM/PGREQM_V1.1_2015.pptx
@@ -4359,7 +4359,7 @@
           <a:p>
             <a:fld id="{56F99C03-A70A-4B29-84B2-81DDC41A991A}" type="datetimeFigureOut">
               <a:rPr lang="es-PE" smtClean="0"/>
-              <a:t>15/11/2015</a:t>
+              <a:t>19/11/2015</a:t>
             </a:fld>
             <a:endParaRPr lang="es-PE" dirty="0"/>
           </a:p>
@@ -5575,7 +5575,7 @@
           <a:p>
             <a:fld id="{216C5678-EE20-4FA5-88E2-6E0BD67A2E26}" type="datetime1">
               <a:rPr lang="en-US" smtClean="0"/>
-              <a:t>11/15/2015</a:t>
+              <a:t>11/19/2015</a:t>
             </a:fld>
             <a:endParaRPr lang="en-US" dirty="0"/>
           </a:p>
@@ -5745,7 +5745,7 @@
           <a:p>
             <a:fld id="{EA051B39-B140-43FE-96DB-472A2B59CE7C}" type="datetime1">
               <a:rPr lang="en-US" smtClean="0"/>
-              <a:t>11/15/2015</a:t>
+              <a:t>11/19/2015</a:t>
             </a:fld>
             <a:endParaRPr lang="en-US" dirty="0"/>
           </a:p>
@@ -5925,7 +5925,7 @@
           <a:p>
             <a:fld id="{DA600BB2-27C5-458B-ABCE-839C88CF47CE}" type="datetime1">
               <a:rPr lang="en-US" smtClean="0"/>
-              <a:t>11/15/2015</a:t>
+              <a:t>11/19/2015</a:t>
             </a:fld>
             <a:endParaRPr lang="en-US" dirty="0"/>
           </a:p>
@@ -6113,7 +6113,7 @@
           <a:p>
             <a:fld id="{B11D738E-8962-435F-8C43-147B8DD7E819}" type="datetime1">
               <a:rPr lang="en-US" smtClean="0"/>
-              <a:t>11/15/2015</a:t>
+              <a:t>11/19/2015</a:t>
             </a:fld>
             <a:endParaRPr lang="en-US" dirty="0"/>
           </a:p>
@@ -6380,7 +6380,7 @@
           <a:p>
             <a:fld id="{09CAEA93-55E7-4DA9-90C2-089A26EEFEC4}" type="datetime1">
               <a:rPr lang="en-US" smtClean="0"/>
-              <a:t>11/15/2015</a:t>
+              <a:t>11/19/2015</a:t>
             </a:fld>
             <a:endParaRPr lang="en-US" dirty="0"/>
           </a:p>
@@ -6733,7 +6733,7 @@
           <a:p>
             <a:fld id="{E34CF3C7-6809-4F39-BD67-A75817BDDE0A}" type="datetime1">
               <a:rPr lang="en-US" smtClean="0"/>
-              <a:t>11/15/2015</a:t>
+              <a:t>11/19/2015</a:t>
             </a:fld>
             <a:endParaRPr lang="en-US" dirty="0"/>
           </a:p>
@@ -7046,7 +7046,7 @@
           <a:p>
             <a:fld id="{F7EAEB24-CE78-465C-A726-91D0868FA48F}" type="datetime1">
               <a:rPr lang="en-US" smtClean="0"/>
-              <a:t>11/15/2015</a:t>
+              <a:t>11/19/2015</a:t>
             </a:fld>
             <a:endParaRPr lang="en-US" dirty="0"/>
           </a:p>
@@ -7278,7 +7278,7 @@
           <a:p>
             <a:fld id="{40BAADF0-1749-4E8B-9691-B44A5F8C0895}" type="datetime1">
               <a:rPr lang="en-US" smtClean="0"/>
-              <a:t>11/15/2015</a:t>
+              <a:t>11/19/2015</a:t>
             </a:fld>
             <a:endParaRPr lang="en-US" dirty="0"/>
           </a:p>
@@ -7373,7 +7373,7 @@
           <a:p>
             <a:fld id="{A8AF628A-A867-4937-BBE5-207DB6F9C51A}" type="datetime1">
               <a:rPr lang="en-US" smtClean="0"/>
-              <a:t>11/15/2015</a:t>
+              <a:t>11/19/2015</a:t>
             </a:fld>
             <a:endParaRPr lang="en-US" dirty="0"/>
           </a:p>
@@ -7666,7 +7666,7 @@
           <a:p>
             <a:fld id="{118BBB94-68E6-4675-A946-F1C5994EDBD7}" type="datetime1">
               <a:rPr lang="en-US" smtClean="0"/>
-              <a:t>11/15/2015</a:t>
+              <a:t>11/19/2015</a:t>
             </a:fld>
             <a:endParaRPr lang="en-US" dirty="0"/>
           </a:p>
@@ -7940,7 +7940,7 @@
           <a:p>
             <a:fld id="{DC3B8377-21E3-4835-B75D-4E2847E2750F}" type="datetime1">
               <a:rPr lang="en-US" smtClean="0"/>
-              <a:t>11/15/2015</a:t>
+              <a:t>11/19/2015</a:t>
             </a:fld>
             <a:endParaRPr lang="en-US" dirty="0"/>
           </a:p>
@@ -8155,7 +8155,7 @@
           <a:p>
             <a:fld id="{B0C4986D-6BE9-4264-908F-02DB36FD8D6C}" type="datetime1">
               <a:rPr lang="en-US" smtClean="0"/>
-              <a:t>11/15/2015</a:t>
+              <a:t>11/19/2015</a:t>
             </a:fld>
             <a:endParaRPr lang="en-US" dirty="0"/>
           </a:p>
@@ -8696,7 +8696,7 @@
           <a:p>
             <a:fld id="{216C5678-EE20-4FA5-88E2-6E0BD67A2E26}" type="datetime1">
               <a:rPr lang="en-US" smtClean="0"/>
-              <a:t>11/15/2015</a:t>
+              <a:t>11/19/2015</a:t>
             </a:fld>
             <a:endParaRPr lang="en-US" dirty="0"/>
           </a:p>
@@ -9206,7 +9206,7 @@
           <a:p>
             <a:fld id="{216C5678-EE20-4FA5-88E2-6E0BD67A2E26}" type="datetime1">
               <a:rPr lang="en-US" smtClean="0"/>
-              <a:t>11/15/2015</a:t>
+              <a:t>11/19/2015</a:t>
             </a:fld>
             <a:endParaRPr lang="en-US" dirty="0"/>
           </a:p>
@@ -9756,7 +9756,7 @@
           <a:p>
             <a:fld id="{216C5678-EE20-4FA5-88E2-6E0BD67A2E26}" type="datetime1">
               <a:rPr lang="en-US" smtClean="0"/>
-              <a:t>11/15/2015</a:t>
+              <a:t>11/19/2015</a:t>
             </a:fld>
             <a:endParaRPr lang="en-US" dirty="0"/>
           </a:p>
@@ -9919,7 +9919,7 @@
           <a:p>
             <a:fld id="{216C5678-EE20-4FA5-88E2-6E0BD67A2E26}" type="datetime1">
               <a:rPr lang="en-US" smtClean="0"/>
-              <a:t>11/15/2015</a:t>
+              <a:t>11/19/2015</a:t>
             </a:fld>
             <a:endParaRPr lang="en-US" dirty="0"/>
           </a:p>
@@ -10171,7 +10171,7 @@
           <a:p>
             <a:fld id="{216C5678-EE20-4FA5-88E2-6E0BD67A2E26}" type="datetime1">
               <a:rPr lang="en-US" smtClean="0"/>
-              <a:t>11/15/2015</a:t>
+              <a:t>11/19/2015</a:t>
             </a:fld>
             <a:endParaRPr lang="en-US" dirty="0"/>
           </a:p>
@@ -14009,35 +14009,35 @@
                 <a:gridCol w="216024">
                   <a:extLst>
                     <a:ext uri="{9D8B030D-6E8A-4147-A177-3AD203B41FA5}">
-                      <a16:colId xmlns:a16="http://schemas.microsoft.com/office/drawing/2014/main" xmlns="" val="20000"/>
+                      <a16:colId xmlns:a16="http://schemas.microsoft.com/office/drawing/2014/main" val="20000"/>
                     </a:ext>
                   </a:extLst>
                 </a:gridCol>
                 <a:gridCol w="1440160">
                   <a:extLst>
                     <a:ext uri="{9D8B030D-6E8A-4147-A177-3AD203B41FA5}">
-                      <a16:colId xmlns:a16="http://schemas.microsoft.com/office/drawing/2014/main" xmlns="" val="20001"/>
+                      <a16:colId xmlns:a16="http://schemas.microsoft.com/office/drawing/2014/main" val="20001"/>
                     </a:ext>
                   </a:extLst>
                 </a:gridCol>
                 <a:gridCol w="1368152">
                   <a:extLst>
                     <a:ext uri="{9D8B030D-6E8A-4147-A177-3AD203B41FA5}">
-                      <a16:colId xmlns:a16="http://schemas.microsoft.com/office/drawing/2014/main" xmlns="" val="20002"/>
+                      <a16:colId xmlns:a16="http://schemas.microsoft.com/office/drawing/2014/main" val="20002"/>
                     </a:ext>
                   </a:extLst>
                 </a:gridCol>
                 <a:gridCol w="3528392">
                   <a:extLst>
                     <a:ext uri="{9D8B030D-6E8A-4147-A177-3AD203B41FA5}">
-                      <a16:colId xmlns:a16="http://schemas.microsoft.com/office/drawing/2014/main" xmlns="" val="20003"/>
+                      <a16:colId xmlns:a16="http://schemas.microsoft.com/office/drawing/2014/main" val="20003"/>
                     </a:ext>
                   </a:extLst>
                 </a:gridCol>
                 <a:gridCol w="2232249">
                   <a:extLst>
                     <a:ext uri="{9D8B030D-6E8A-4147-A177-3AD203B41FA5}">
-                      <a16:colId xmlns:a16="http://schemas.microsoft.com/office/drawing/2014/main" xmlns="" val="20004"/>
+                      <a16:colId xmlns:a16="http://schemas.microsoft.com/office/drawing/2014/main" val="20004"/>
                     </a:ext>
                   </a:extLst>
                 </a:gridCol>
@@ -14170,7 +14170,7 @@
                 </a:tc>
                 <a:extLst>
                   <a:ext uri="{0D108BD9-81ED-4DB2-BD59-A6C34878D82A}">
-                    <a16:rowId xmlns:a16="http://schemas.microsoft.com/office/drawing/2014/main" xmlns="" val="10000"/>
+                    <a16:rowId xmlns:a16="http://schemas.microsoft.com/office/drawing/2014/main" val="10000"/>
                   </a:ext>
                 </a:extLst>
               </a:tr>
@@ -14417,7 +14417,7 @@
                 </a:tc>
                 <a:extLst>
                   <a:ext uri="{0D108BD9-81ED-4DB2-BD59-A6C34878D82A}">
-                    <a16:rowId xmlns:a16="http://schemas.microsoft.com/office/drawing/2014/main" xmlns="" val="10001"/>
+                    <a16:rowId xmlns:a16="http://schemas.microsoft.com/office/drawing/2014/main" val="10001"/>
                   </a:ext>
                 </a:extLst>
               </a:tr>
@@ -14657,7 +14657,7 @@
                 </a:tc>
                 <a:extLst>
                   <a:ext uri="{0D108BD9-81ED-4DB2-BD59-A6C34878D82A}">
-                    <a16:rowId xmlns:a16="http://schemas.microsoft.com/office/drawing/2014/main" xmlns="" val="10002"/>
+                    <a16:rowId xmlns:a16="http://schemas.microsoft.com/office/drawing/2014/main" val="10002"/>
                   </a:ext>
                 </a:extLst>
               </a:tr>
@@ -14900,7 +14900,7 @@
                 </a:tc>
                 <a:extLst>
                   <a:ext uri="{0D108BD9-81ED-4DB2-BD59-A6C34878D82A}">
-                    <a16:rowId xmlns:a16="http://schemas.microsoft.com/office/drawing/2014/main" xmlns="" val="10003"/>
+                    <a16:rowId xmlns:a16="http://schemas.microsoft.com/office/drawing/2014/main" val="10003"/>
                   </a:ext>
                 </a:extLst>
               </a:tr>
@@ -14958,7 +14958,7 @@
           <a:p>
             <a:fld id="{216C5678-EE20-4FA5-88E2-6E0BD67A2E26}" type="datetime1">
               <a:rPr lang="en-US" smtClean="0"/>
-              <a:t>11/15/2015</a:t>
+              <a:t>11/19/2015</a:t>
             </a:fld>
             <a:endParaRPr lang="en-US" dirty="0"/>
           </a:p>
@@ -15200,35 +15200,35 @@
                 <a:gridCol w="216024">
                   <a:extLst>
                     <a:ext uri="{9D8B030D-6E8A-4147-A177-3AD203B41FA5}">
-                      <a16:colId xmlns:a16="http://schemas.microsoft.com/office/drawing/2014/main" xmlns="" val="20000"/>
+                      <a16:colId xmlns:a16="http://schemas.microsoft.com/office/drawing/2014/main" val="20000"/>
                     </a:ext>
                   </a:extLst>
                 </a:gridCol>
                 <a:gridCol w="1440160">
                   <a:extLst>
                     <a:ext uri="{9D8B030D-6E8A-4147-A177-3AD203B41FA5}">
-                      <a16:colId xmlns:a16="http://schemas.microsoft.com/office/drawing/2014/main" xmlns="" val="20001"/>
+                      <a16:colId xmlns:a16="http://schemas.microsoft.com/office/drawing/2014/main" val="20001"/>
                     </a:ext>
                   </a:extLst>
                 </a:gridCol>
                 <a:gridCol w="2016224">
                   <a:extLst>
                     <a:ext uri="{9D8B030D-6E8A-4147-A177-3AD203B41FA5}">
-                      <a16:colId xmlns:a16="http://schemas.microsoft.com/office/drawing/2014/main" xmlns="" val="20002"/>
+                      <a16:colId xmlns:a16="http://schemas.microsoft.com/office/drawing/2014/main" val="20002"/>
                     </a:ext>
                   </a:extLst>
                 </a:gridCol>
                 <a:gridCol w="3600400">
                   <a:extLst>
                     <a:ext uri="{9D8B030D-6E8A-4147-A177-3AD203B41FA5}">
-                      <a16:colId xmlns:a16="http://schemas.microsoft.com/office/drawing/2014/main" xmlns="" val="20003"/>
+                      <a16:colId xmlns:a16="http://schemas.microsoft.com/office/drawing/2014/main" val="20003"/>
                     </a:ext>
                   </a:extLst>
                 </a:gridCol>
                 <a:gridCol w="1512169">
                   <a:extLst>
                     <a:ext uri="{9D8B030D-6E8A-4147-A177-3AD203B41FA5}">
-                      <a16:colId xmlns:a16="http://schemas.microsoft.com/office/drawing/2014/main" xmlns="" val="20004"/>
+                      <a16:colId xmlns:a16="http://schemas.microsoft.com/office/drawing/2014/main" val="20004"/>
                     </a:ext>
                   </a:extLst>
                 </a:gridCol>
@@ -15361,7 +15361,7 @@
                 </a:tc>
                 <a:extLst>
                   <a:ext uri="{0D108BD9-81ED-4DB2-BD59-A6C34878D82A}">
-                    <a16:rowId xmlns:a16="http://schemas.microsoft.com/office/drawing/2014/main" xmlns="" val="10000"/>
+                    <a16:rowId xmlns:a16="http://schemas.microsoft.com/office/drawing/2014/main" val="10000"/>
                   </a:ext>
                 </a:extLst>
               </a:tr>
@@ -15596,7 +15596,7 @@
                 </a:tc>
                 <a:extLst>
                   <a:ext uri="{0D108BD9-81ED-4DB2-BD59-A6C34878D82A}">
-                    <a16:rowId xmlns:a16="http://schemas.microsoft.com/office/drawing/2014/main" xmlns="" val="10001"/>
+                    <a16:rowId xmlns:a16="http://schemas.microsoft.com/office/drawing/2014/main" val="10001"/>
                   </a:ext>
                 </a:extLst>
               </a:tr>
@@ -15780,7 +15780,7 @@
                 </a:tc>
                 <a:extLst>
                   <a:ext uri="{0D108BD9-81ED-4DB2-BD59-A6C34878D82A}">
-                    <a16:rowId xmlns:a16="http://schemas.microsoft.com/office/drawing/2014/main" xmlns="" val="10002"/>
+                    <a16:rowId xmlns:a16="http://schemas.microsoft.com/office/drawing/2014/main" val="10002"/>
                   </a:ext>
                 </a:extLst>
               </a:tr>
@@ -15967,7 +15967,7 @@
                 </a:tc>
                 <a:extLst>
                   <a:ext uri="{0D108BD9-81ED-4DB2-BD59-A6C34878D82A}">
-                    <a16:rowId xmlns:a16="http://schemas.microsoft.com/office/drawing/2014/main" xmlns="" val="10003"/>
+                    <a16:rowId xmlns:a16="http://schemas.microsoft.com/office/drawing/2014/main" val="10003"/>
                   </a:ext>
                 </a:extLst>
               </a:tr>
@@ -16025,7 +16025,7 @@
           <a:p>
             <a:fld id="{216C5678-EE20-4FA5-88E2-6E0BD67A2E26}" type="datetime1">
               <a:rPr lang="en-US" smtClean="0"/>
-              <a:t>11/15/2015</a:t>
+              <a:t>11/19/2015</a:t>
             </a:fld>
             <a:endParaRPr lang="en-US" dirty="0"/>
           </a:p>
@@ -16335,7 +16335,7 @@
           <a:p>
             <a:fld id="{216C5678-EE20-4FA5-88E2-6E0BD67A2E26}" type="datetime1">
               <a:rPr lang="en-US" smtClean="0"/>
-              <a:t>11/15/2015</a:t>
+              <a:t>11/19/2015</a:t>
             </a:fld>
             <a:endParaRPr lang="en-US" dirty="0"/>
           </a:p>
@@ -16615,7 +16615,7 @@
           <a:p>
             <a:fld id="{216C5678-EE20-4FA5-88E2-6E0BD67A2E26}" type="datetime1">
               <a:rPr lang="en-US" smtClean="0"/>
-              <a:t>11/15/2015</a:t>
+              <a:t>11/19/2015</a:t>
             </a:fld>
             <a:endParaRPr lang="en-US" dirty="0"/>
           </a:p>
@@ -16836,7 +16836,7 @@
           <a:p>
             <a:fld id="{216C5678-EE20-4FA5-88E2-6E0BD67A2E26}" type="datetime1">
               <a:rPr lang="en-US" smtClean="0"/>
-              <a:t>11/15/2015</a:t>
+              <a:t>11/19/2015</a:t>
             </a:fld>
             <a:endParaRPr lang="en-US" dirty="0"/>
           </a:p>
@@ -16997,11 +16997,7 @@
             </a:br>
             <a:r>
               <a:rPr lang="es-ES" sz="6300" dirty="0" smtClean="0"/>
-              <a:t>PROCESO </a:t>
-            </a:r>
-            <a:r>
-              <a:rPr lang="es-ES" sz="6300" dirty="0" smtClean="0"/>
-              <a:t>DE GESTIÓN DE CAMBIOS DE REQUERIMIENTOS</a:t>
+              <a:t>PROCESO DE GESTIÓN DE CAMBIOS DE REQUERIMIENTOS</a:t>
             </a:r>
             <a:endParaRPr lang="es-PE" sz="6300" dirty="0"/>
           </a:p>
@@ -17081,7 +17077,7 @@
           <a:p>
             <a:fld id="{216C5678-EE20-4FA5-88E2-6E0BD67A2E26}" type="datetime1">
               <a:rPr lang="en-US" smtClean="0"/>
-              <a:t>11/15/2015</a:t>
+              <a:t>11/19/2015</a:t>
             </a:fld>
             <a:endParaRPr lang="en-US" dirty="0"/>
           </a:p>
@@ -17239,28 +17235,28 @@
                 <a:gridCol w="545659">
                   <a:extLst>
                     <a:ext uri="{9D8B030D-6E8A-4147-A177-3AD203B41FA5}">
-                      <a16:colId xmlns:a16="http://schemas.microsoft.com/office/drawing/2014/main" xmlns="" val="20000"/>
+                      <a16:colId xmlns:a16="http://schemas.microsoft.com/office/drawing/2014/main" val="20000"/>
                     </a:ext>
                   </a:extLst>
                 </a:gridCol>
                 <a:gridCol w="3269919">
                   <a:extLst>
                     <a:ext uri="{9D8B030D-6E8A-4147-A177-3AD203B41FA5}">
-                      <a16:colId xmlns:a16="http://schemas.microsoft.com/office/drawing/2014/main" xmlns="" val="20001"/>
+                      <a16:colId xmlns:a16="http://schemas.microsoft.com/office/drawing/2014/main" val="20001"/>
                     </a:ext>
                   </a:extLst>
                 </a:gridCol>
                 <a:gridCol w="2449117">
                   <a:extLst>
                     <a:ext uri="{9D8B030D-6E8A-4147-A177-3AD203B41FA5}">
-                      <a16:colId xmlns:a16="http://schemas.microsoft.com/office/drawing/2014/main" xmlns="" val="20002"/>
+                      <a16:colId xmlns:a16="http://schemas.microsoft.com/office/drawing/2014/main" val="20002"/>
                     </a:ext>
                   </a:extLst>
                 </a:gridCol>
                 <a:gridCol w="2160241">
                   <a:extLst>
                     <a:ext uri="{9D8B030D-6E8A-4147-A177-3AD203B41FA5}">
-                      <a16:colId xmlns:a16="http://schemas.microsoft.com/office/drawing/2014/main" xmlns="" val="20003"/>
+                      <a16:colId xmlns:a16="http://schemas.microsoft.com/office/drawing/2014/main" val="20003"/>
                     </a:ext>
                   </a:extLst>
                 </a:gridCol>
@@ -17636,7 +17632,7 @@
                 </a:tc>
                 <a:extLst>
                   <a:ext uri="{0D108BD9-81ED-4DB2-BD59-A6C34878D82A}">
-                    <a16:rowId xmlns:a16="http://schemas.microsoft.com/office/drawing/2014/main" xmlns="" val="10000"/>
+                    <a16:rowId xmlns:a16="http://schemas.microsoft.com/office/drawing/2014/main" val="10000"/>
                   </a:ext>
                 </a:extLst>
               </a:tr>
@@ -17984,7 +17980,7 @@
                 </a:tc>
                 <a:extLst>
                   <a:ext uri="{0D108BD9-81ED-4DB2-BD59-A6C34878D82A}">
-                    <a16:rowId xmlns:a16="http://schemas.microsoft.com/office/drawing/2014/main" xmlns="" val="10001"/>
+                    <a16:rowId xmlns:a16="http://schemas.microsoft.com/office/drawing/2014/main" val="10001"/>
                   </a:ext>
                 </a:extLst>
               </a:tr>
@@ -18330,7 +18326,7 @@
                 </a:tc>
                 <a:extLst>
                   <a:ext uri="{0D108BD9-81ED-4DB2-BD59-A6C34878D82A}">
-                    <a16:rowId xmlns:a16="http://schemas.microsoft.com/office/drawing/2014/main" xmlns="" val="10002"/>
+                    <a16:rowId xmlns:a16="http://schemas.microsoft.com/office/drawing/2014/main" val="10002"/>
                   </a:ext>
                 </a:extLst>
               </a:tr>
@@ -18679,7 +18675,7 @@
                 </a:tc>
                 <a:extLst>
                   <a:ext uri="{0D108BD9-81ED-4DB2-BD59-A6C34878D82A}">
-                    <a16:rowId xmlns:a16="http://schemas.microsoft.com/office/drawing/2014/main" xmlns="" val="10003"/>
+                    <a16:rowId xmlns:a16="http://schemas.microsoft.com/office/drawing/2014/main" val="10003"/>
                   </a:ext>
                 </a:extLst>
               </a:tr>
@@ -19028,7 +19024,7 @@
                 </a:tc>
                 <a:extLst>
                   <a:ext uri="{0D108BD9-81ED-4DB2-BD59-A6C34878D82A}">
-                    <a16:rowId xmlns:a16="http://schemas.microsoft.com/office/drawing/2014/main" xmlns="" val="10004"/>
+                    <a16:rowId xmlns:a16="http://schemas.microsoft.com/office/drawing/2014/main" val="10004"/>
                   </a:ext>
                 </a:extLst>
               </a:tr>
@@ -19373,7 +19369,7 @@
                 </a:tc>
                 <a:extLst>
                   <a:ext uri="{0D108BD9-81ED-4DB2-BD59-A6C34878D82A}">
-                    <a16:rowId xmlns:a16="http://schemas.microsoft.com/office/drawing/2014/main" xmlns="" val="10005"/>
+                    <a16:rowId xmlns:a16="http://schemas.microsoft.com/office/drawing/2014/main" val="10005"/>
                   </a:ext>
                 </a:extLst>
               </a:tr>
@@ -19538,7 +19534,7 @@
           <a:p>
             <a:fld id="{216C5678-EE20-4FA5-88E2-6E0BD67A2E26}" type="datetime1">
               <a:rPr lang="en-US" smtClean="0"/>
-              <a:t>11/15/2015</a:t>
+              <a:t>11/19/2015</a:t>
             </a:fld>
             <a:endParaRPr lang="en-US" dirty="0"/>
           </a:p>
@@ -19703,7 +19699,7 @@
           <p:nvPr>
             <p:extLst>
               <p:ext uri="{D42A27DB-BD31-4B8C-83A1-F6EECF244321}">
-                <p14:modId xmlns:p14="http://schemas.microsoft.com/office/powerpoint/2010/main" val="3744751705"/>
+                <p14:modId xmlns:p14="http://schemas.microsoft.com/office/powerpoint/2010/main" val="475485643"/>
               </p:ext>
             </p:extLst>
           </p:nvPr>
@@ -19722,42 +19718,42 @@
                 <a:gridCol w="208280">
                   <a:extLst>
                     <a:ext uri="{9D8B030D-6E8A-4147-A177-3AD203B41FA5}">
-                      <a16:colId xmlns:a16="http://schemas.microsoft.com/office/drawing/2014/main" xmlns="" val="20000"/>
+                      <a16:colId xmlns:a16="http://schemas.microsoft.com/office/drawing/2014/main" val="20000"/>
                     </a:ext>
                   </a:extLst>
                 </a:gridCol>
                 <a:gridCol w="870206">
                   <a:extLst>
                     <a:ext uri="{9D8B030D-6E8A-4147-A177-3AD203B41FA5}">
-                      <a16:colId xmlns:a16="http://schemas.microsoft.com/office/drawing/2014/main" xmlns="" val="20001"/>
+                      <a16:colId xmlns:a16="http://schemas.microsoft.com/office/drawing/2014/main" val="20001"/>
                     </a:ext>
                   </a:extLst>
                 </a:gridCol>
                 <a:gridCol w="1015241">
                   <a:extLst>
                     <a:ext uri="{9D8B030D-6E8A-4147-A177-3AD203B41FA5}">
-                      <a16:colId xmlns:a16="http://schemas.microsoft.com/office/drawing/2014/main" xmlns="" val="20002"/>
+                      <a16:colId xmlns:a16="http://schemas.microsoft.com/office/drawing/2014/main" val="20002"/>
                     </a:ext>
                   </a:extLst>
                 </a:gridCol>
                 <a:gridCol w="1860540">
                   <a:extLst>
                     <a:ext uri="{9D8B030D-6E8A-4147-A177-3AD203B41FA5}">
-                      <a16:colId xmlns:a16="http://schemas.microsoft.com/office/drawing/2014/main" xmlns="" val="20003"/>
+                      <a16:colId xmlns:a16="http://schemas.microsoft.com/office/drawing/2014/main" val="20003"/>
                     </a:ext>
                   </a:extLst>
                 </a:gridCol>
                 <a:gridCol w="1692861">
                   <a:extLst>
                     <a:ext uri="{9D8B030D-6E8A-4147-A177-3AD203B41FA5}">
-                      <a16:colId xmlns:a16="http://schemas.microsoft.com/office/drawing/2014/main" xmlns="" val="20004"/>
+                      <a16:colId xmlns:a16="http://schemas.microsoft.com/office/drawing/2014/main" val="20004"/>
                     </a:ext>
                   </a:extLst>
                 </a:gridCol>
                 <a:gridCol w="3021496">
                   <a:extLst>
                     <a:ext uri="{9D8B030D-6E8A-4147-A177-3AD203B41FA5}">
-                      <a16:colId xmlns:a16="http://schemas.microsoft.com/office/drawing/2014/main" xmlns="" val="20005"/>
+                      <a16:colId xmlns:a16="http://schemas.microsoft.com/office/drawing/2014/main" val="20005"/>
                     </a:ext>
                   </a:extLst>
                 </a:gridCol>
@@ -19921,7 +19917,7 @@
                 </a:tc>
                 <a:extLst>
                   <a:ext uri="{0D108BD9-81ED-4DB2-BD59-A6C34878D82A}">
-                    <a16:rowId xmlns:a16="http://schemas.microsoft.com/office/drawing/2014/main" xmlns="" val="10000"/>
+                    <a16:rowId xmlns:a16="http://schemas.microsoft.com/office/drawing/2014/main" val="10000"/>
                   </a:ext>
                 </a:extLst>
               </a:tr>
@@ -20167,8 +20163,16 @@
                           <a:ea typeface="Verdana" panose="020B0604030504040204" pitchFamily="34" charset="0"/>
                           <a:cs typeface="Verdana" panose="020B0604030504040204" pitchFamily="34" charset="0"/>
                         </a:rPr>
-                        <a:t>APROBADO</a:t>
+                        <a:t>REVISADO</a:t>
                       </a:r>
+                      <a:endParaRPr lang="es-ES" sz="1200" b="1" kern="1200" dirty="0" smtClean="0">
+                        <a:solidFill>
+                          <a:schemeClr val="dk1"/>
+                        </a:solidFill>
+                        <a:latin typeface="+mj-lt"/>
+                        <a:ea typeface="Verdana" panose="020B0604030504040204" pitchFamily="34" charset="0"/>
+                        <a:cs typeface="Verdana" panose="020B0604030504040204" pitchFamily="34" charset="0"/>
+                      </a:endParaRPr>
                     </a:p>
                   </a:txBody>
                   <a:tcPr marT="45702" marB="45702" anchor="ctr" horzOverflow="overflow"/>
@@ -20259,7 +20263,7 @@
                 </a:tc>
                 <a:extLst>
                   <a:ext uri="{0D108BD9-81ED-4DB2-BD59-A6C34878D82A}">
-                    <a16:rowId xmlns:a16="http://schemas.microsoft.com/office/drawing/2014/main" xmlns="" val="10001"/>
+                    <a16:rowId xmlns:a16="http://schemas.microsoft.com/office/drawing/2014/main" val="10001"/>
                   </a:ext>
                 </a:extLst>
               </a:tr>
@@ -20366,8 +20370,16 @@
                           <a:ea typeface="Verdana" panose="020B0604030504040204" pitchFamily="34" charset="0"/>
                           <a:cs typeface="Verdana" panose="020B0604030504040204" pitchFamily="34" charset="0"/>
                         </a:rPr>
-                        <a:t>05/11/2015</a:t>
+                        <a:t>19/11/2015</a:t>
                       </a:r>
+                      <a:endParaRPr lang="es-ES" sz="1200" b="1" kern="1200" dirty="0" smtClean="0">
+                        <a:solidFill>
+                          <a:schemeClr val="dk1"/>
+                        </a:solidFill>
+                        <a:latin typeface="+mj-lt"/>
+                        <a:ea typeface="Verdana" panose="020B0604030504040204" pitchFamily="34" charset="0"/>
+                        <a:cs typeface="Verdana" panose="020B0604030504040204" pitchFamily="34" charset="0"/>
+                      </a:endParaRPr>
                     </a:p>
                   </a:txBody>
                   <a:tcPr marT="45702" marB="45702" anchor="ctr" horzOverflow="overflow"/>
@@ -20497,7 +20509,7 @@
                         <a:tabLst/>
                       </a:pPr>
                       <a:r>
-                        <a:rPr lang="es-ES" sz="1200" b="1" kern="1200" dirty="0" smtClean="0">
+                        <a:rPr lang="es-ES" sz="1200" b="1" kern="1200" smtClean="0">
                           <a:solidFill>
                             <a:schemeClr val="dk1"/>
                           </a:solidFill>
@@ -20505,8 +20517,16 @@
                           <a:ea typeface="Verdana" panose="020B0604030504040204" pitchFamily="34" charset="0"/>
                           <a:cs typeface="Verdana" panose="020B0604030504040204" pitchFamily="34" charset="0"/>
                         </a:rPr>
-                        <a:t>EN REVISIÓN</a:t>
+                        <a:t>REVISADO</a:t>
                       </a:r>
+                      <a:endParaRPr lang="es-ES" sz="1200" b="1" kern="1200" dirty="0" smtClean="0">
+                        <a:solidFill>
+                          <a:schemeClr val="dk1"/>
+                        </a:solidFill>
+                        <a:latin typeface="+mj-lt"/>
+                        <a:ea typeface="Verdana" panose="020B0604030504040204" pitchFamily="34" charset="0"/>
+                        <a:cs typeface="Verdana" panose="020B0604030504040204" pitchFamily="34" charset="0"/>
+                      </a:endParaRPr>
                     </a:p>
                   </a:txBody>
                   <a:tcPr marT="45702" marB="45702" anchor="ctr" horzOverflow="overflow"/>
@@ -20597,7 +20617,7 @@
                 </a:tc>
                 <a:extLst>
                   <a:ext uri="{0D108BD9-81ED-4DB2-BD59-A6C34878D82A}">
-                    <a16:rowId xmlns:a16="http://schemas.microsoft.com/office/drawing/2014/main" xmlns="" val="10002"/>
+                    <a16:rowId xmlns:a16="http://schemas.microsoft.com/office/drawing/2014/main" val="10002"/>
                   </a:ext>
                 </a:extLst>
               </a:tr>
@@ -20805,7 +20825,7 @@
                 </a:tc>
                 <a:extLst>
                   <a:ext uri="{0D108BD9-81ED-4DB2-BD59-A6C34878D82A}">
-                    <a16:rowId xmlns:a16="http://schemas.microsoft.com/office/drawing/2014/main" xmlns="" val="10003"/>
+                    <a16:rowId xmlns:a16="http://schemas.microsoft.com/office/drawing/2014/main" val="10003"/>
                   </a:ext>
                 </a:extLst>
               </a:tr>
@@ -21013,7 +21033,7 @@
                 </a:tc>
                 <a:extLst>
                   <a:ext uri="{0D108BD9-81ED-4DB2-BD59-A6C34878D82A}">
-                    <a16:rowId xmlns:a16="http://schemas.microsoft.com/office/drawing/2014/main" xmlns="" val="10004"/>
+                    <a16:rowId xmlns:a16="http://schemas.microsoft.com/office/drawing/2014/main" val="10004"/>
                   </a:ext>
                 </a:extLst>
               </a:tr>
@@ -21221,7 +21241,7 @@
                 </a:tc>
                 <a:extLst>
                   <a:ext uri="{0D108BD9-81ED-4DB2-BD59-A6C34878D82A}">
-                    <a16:rowId xmlns:a16="http://schemas.microsoft.com/office/drawing/2014/main" xmlns="" val="10005"/>
+                    <a16:rowId xmlns:a16="http://schemas.microsoft.com/office/drawing/2014/main" val="10005"/>
                   </a:ext>
                 </a:extLst>
               </a:tr>
@@ -21429,7 +21449,7 @@
                 </a:tc>
                 <a:extLst>
                   <a:ext uri="{0D108BD9-81ED-4DB2-BD59-A6C34878D82A}">
-                    <a16:rowId xmlns:a16="http://schemas.microsoft.com/office/drawing/2014/main" xmlns="" val="10006"/>
+                    <a16:rowId xmlns:a16="http://schemas.microsoft.com/office/drawing/2014/main" val="10006"/>
                   </a:ext>
                 </a:extLst>
               </a:tr>
@@ -21914,7 +21934,7 @@
             <a:fld id="{216C5678-EE20-4FA5-88E2-6E0BD67A2E26}" type="datetime1">
               <a:rPr lang="en-US" smtClean="0"/>
               <a:pPr/>
-              <a:t>11/15/2015</a:t>
+              <a:t>11/19/2015</a:t>
             </a:fld>
             <a:endParaRPr lang="en-US" dirty="0"/>
           </a:p>
@@ -22075,7 +22095,7 @@
           <a:p>
             <a:fld id="{216C5678-EE20-4FA5-88E2-6E0BD67A2E26}" type="datetime1">
               <a:rPr lang="en-US" smtClean="0"/>
-              <a:t>11/15/2015</a:t>
+              <a:t>11/19/2015</a:t>
             </a:fld>
             <a:endParaRPr lang="en-US" dirty="0"/>
           </a:p>
@@ -22441,7 +22461,7 @@
           <a:p>
             <a:fld id="{216C5678-EE20-4FA5-88E2-6E0BD67A2E26}" type="datetime1">
               <a:rPr lang="en-US" smtClean="0"/>
-              <a:t>11/15/2015</a:t>
+              <a:t>11/19/2015</a:t>
             </a:fld>
             <a:endParaRPr lang="en-US" dirty="0"/>
           </a:p>
@@ -22632,7 +22652,7 @@
           <a:p>
             <a:fld id="{216C5678-EE20-4FA5-88E2-6E0BD67A2E26}" type="datetime1">
               <a:rPr lang="en-US" smtClean="0"/>
-              <a:t>11/15/2015</a:t>
+              <a:t>11/19/2015</a:t>
             </a:fld>
             <a:endParaRPr lang="en-US" dirty="0"/>
           </a:p>
@@ -22816,21 +22836,21 @@
                 <a:gridCol w="359678">
                   <a:extLst>
                     <a:ext uri="{9D8B030D-6E8A-4147-A177-3AD203B41FA5}">
-                      <a16:colId xmlns:a16="http://schemas.microsoft.com/office/drawing/2014/main" xmlns="" val="20000"/>
+                      <a16:colId xmlns:a16="http://schemas.microsoft.com/office/drawing/2014/main" val="20000"/>
                     </a:ext>
                   </a:extLst>
                 </a:gridCol>
                 <a:gridCol w="1741244">
                   <a:extLst>
                     <a:ext uri="{9D8B030D-6E8A-4147-A177-3AD203B41FA5}">
-                      <a16:colId xmlns:a16="http://schemas.microsoft.com/office/drawing/2014/main" xmlns="" val="20001"/>
+                      <a16:colId xmlns:a16="http://schemas.microsoft.com/office/drawing/2014/main" val="20001"/>
                     </a:ext>
                   </a:extLst>
                 </a:gridCol>
                 <a:gridCol w="6324014">
                   <a:extLst>
                     <a:ext uri="{9D8B030D-6E8A-4147-A177-3AD203B41FA5}">
-                      <a16:colId xmlns:a16="http://schemas.microsoft.com/office/drawing/2014/main" xmlns="" val="20002"/>
+                      <a16:colId xmlns:a16="http://schemas.microsoft.com/office/drawing/2014/main" val="20002"/>
                     </a:ext>
                   </a:extLst>
                 </a:gridCol>
@@ -22913,7 +22933,7 @@
                 </a:tc>
                 <a:extLst>
                   <a:ext uri="{0D108BD9-81ED-4DB2-BD59-A6C34878D82A}">
-                    <a16:rowId xmlns:a16="http://schemas.microsoft.com/office/drawing/2014/main" xmlns="" val="10000"/>
+                    <a16:rowId xmlns:a16="http://schemas.microsoft.com/office/drawing/2014/main" val="10000"/>
                   </a:ext>
                 </a:extLst>
               </a:tr>
@@ -23023,7 +23043,7 @@
                 </a:tc>
                 <a:extLst>
                   <a:ext uri="{0D108BD9-81ED-4DB2-BD59-A6C34878D82A}">
-                    <a16:rowId xmlns:a16="http://schemas.microsoft.com/office/drawing/2014/main" xmlns="" val="10001"/>
+                    <a16:rowId xmlns:a16="http://schemas.microsoft.com/office/drawing/2014/main" val="10001"/>
                   </a:ext>
                 </a:extLst>
               </a:tr>
@@ -23125,7 +23145,7 @@
                 </a:tc>
                 <a:extLst>
                   <a:ext uri="{0D108BD9-81ED-4DB2-BD59-A6C34878D82A}">
-                    <a16:rowId xmlns:a16="http://schemas.microsoft.com/office/drawing/2014/main" xmlns="" val="10002"/>
+                    <a16:rowId xmlns:a16="http://schemas.microsoft.com/office/drawing/2014/main" val="10002"/>
                   </a:ext>
                 </a:extLst>
               </a:tr>
@@ -23227,7 +23247,7 @@
                 </a:tc>
                 <a:extLst>
                   <a:ext uri="{0D108BD9-81ED-4DB2-BD59-A6C34878D82A}">
-                    <a16:rowId xmlns:a16="http://schemas.microsoft.com/office/drawing/2014/main" xmlns="" val="10003"/>
+                    <a16:rowId xmlns:a16="http://schemas.microsoft.com/office/drawing/2014/main" val="10003"/>
                   </a:ext>
                 </a:extLst>
               </a:tr>
@@ -23348,7 +23368,7 @@
                 </a:tc>
                 <a:extLst>
                   <a:ext uri="{0D108BD9-81ED-4DB2-BD59-A6C34878D82A}">
-                    <a16:rowId xmlns:a16="http://schemas.microsoft.com/office/drawing/2014/main" xmlns="" val="10004"/>
+                    <a16:rowId xmlns:a16="http://schemas.microsoft.com/office/drawing/2014/main" val="10004"/>
                   </a:ext>
                 </a:extLst>
               </a:tr>
@@ -23406,7 +23426,7 @@
           <a:p>
             <a:fld id="{216C5678-EE20-4FA5-88E2-6E0BD67A2E26}" type="datetime1">
               <a:rPr lang="en-US" smtClean="0"/>
-              <a:t>11/15/2015</a:t>
+              <a:t>11/19/2015</a:t>
             </a:fld>
             <a:endParaRPr lang="en-US" dirty="0"/>
           </a:p>
@@ -23569,7 +23589,7 @@
           <a:p>
             <a:fld id="{216C5678-EE20-4FA5-88E2-6E0BD67A2E26}" type="datetime1">
               <a:rPr lang="en-US" smtClean="0"/>
-              <a:t>11/15/2015</a:t>
+              <a:t>11/19/2015</a:t>
             </a:fld>
             <a:endParaRPr lang="en-US" dirty="0"/>
           </a:p>
@@ -23797,7 +23817,7 @@
           <a:p>
             <a:fld id="{216C5678-EE20-4FA5-88E2-6E0BD67A2E26}" type="datetime1">
               <a:rPr lang="en-US" smtClean="0"/>
-              <a:t>11/15/2015</a:t>
+              <a:t>11/19/2015</a:t>
             </a:fld>
             <a:endParaRPr lang="en-US" dirty="0"/>
           </a:p>
